--- a/Anarchy Squad.pptx
+++ b/Anarchy Squad.pptx
@@ -7467,7 +7467,7 @@
         </p:spPr>
         <p:txBody>
           <a:bodyPr spcFirstLastPara="1" wrap="square" lIns="91425" tIns="91425" rIns="91425" bIns="91425" anchor="t" anchorCtr="0">
-            <a:normAutofit fontScale="92500" lnSpcReduction="10000"/>
+            <a:normAutofit lnSpcReduction="10000"/>
           </a:bodyPr>
           <a:lstStyle/>
           <a:p>
@@ -7718,28 +7718,6 @@
               </a:rPr>
               <a:t>Grafické možnosti</a:t>
             </a:r>
-          </a:p>
-          <a:p>
-            <a:pPr lvl="1" indent="-342900">
-              <a:buSzPts val="1800"/>
-              <a:buFont typeface="Trebuchet MS"/>
-              <a:buChar char="●"/>
-            </a:pPr>
-            <a:r>
-              <a:rPr lang="cs-CZ">
-                <a:latin typeface="Trebuchet MS"/>
-                <a:ea typeface="Trebuchet MS"/>
-                <a:cs typeface="Trebuchet MS"/>
-                <a:sym typeface="Trebuchet MS"/>
-              </a:rPr>
-              <a:t>s</a:t>
-            </a:r>
-            <a:endParaRPr lang="cs-CZ" dirty="0">
-              <a:latin typeface="Trebuchet MS"/>
-              <a:ea typeface="Trebuchet MS"/>
-              <a:cs typeface="Trebuchet MS"/>
-              <a:sym typeface="Trebuchet MS"/>
-            </a:endParaRPr>
           </a:p>
         </p:txBody>
       </p:sp>
